--- a/Project/Program Testing using Test Case.pptx
+++ b/Project/Program Testing using Test Case.pptx
@@ -119,6 +119,11 @@
       </a:defRPr>
     </a:lvl9pPr>
   </p:defaultTextStyle>
+  <p:extLst>
+    <p:ext uri="{EFAFB233-063F-42B5-8137-9DF3F51BA10A}">
+      <p15:sldGuideLst xmlns:p15="http://schemas.microsoft.com/office/powerpoint/2012/main"/>
+    </p:ext>
+  </p:extLst>
 </p:presentation>
 </file>
 
@@ -253,7 +258,7 @@
           <a:p>
             <a:fld id="{550216F7-06C5-4B62-A1CB-EC4F0BE15EAA}" type="datetimeFigureOut">
               <a:rPr lang="en-US" smtClean="0"/>
-              <a:t>26/6/2021</a:t>
+              <a:t>27/6/2021</a:t>
             </a:fld>
             <a:endParaRPr lang="en-US"/>
           </a:p>
@@ -423,7 +428,7 @@
           <a:p>
             <a:fld id="{550216F7-06C5-4B62-A1CB-EC4F0BE15EAA}" type="datetimeFigureOut">
               <a:rPr lang="en-US" smtClean="0"/>
-              <a:t>26/6/2021</a:t>
+              <a:t>27/6/2021</a:t>
             </a:fld>
             <a:endParaRPr lang="en-US"/>
           </a:p>
@@ -603,7 +608,7 @@
           <a:p>
             <a:fld id="{550216F7-06C5-4B62-A1CB-EC4F0BE15EAA}" type="datetimeFigureOut">
               <a:rPr lang="en-US" smtClean="0"/>
-              <a:t>26/6/2021</a:t>
+              <a:t>27/6/2021</a:t>
             </a:fld>
             <a:endParaRPr lang="en-US"/>
           </a:p>
@@ -773,7 +778,7 @@
           <a:p>
             <a:fld id="{550216F7-06C5-4B62-A1CB-EC4F0BE15EAA}" type="datetimeFigureOut">
               <a:rPr lang="en-US" smtClean="0"/>
-              <a:t>26/6/2021</a:t>
+              <a:t>27/6/2021</a:t>
             </a:fld>
             <a:endParaRPr lang="en-US"/>
           </a:p>
@@ -1019,7 +1024,7 @@
           <a:p>
             <a:fld id="{550216F7-06C5-4B62-A1CB-EC4F0BE15EAA}" type="datetimeFigureOut">
               <a:rPr lang="en-US" smtClean="0"/>
-              <a:t>26/6/2021</a:t>
+              <a:t>27/6/2021</a:t>
             </a:fld>
             <a:endParaRPr lang="en-US"/>
           </a:p>
@@ -1251,7 +1256,7 @@
           <a:p>
             <a:fld id="{550216F7-06C5-4B62-A1CB-EC4F0BE15EAA}" type="datetimeFigureOut">
               <a:rPr lang="en-US" smtClean="0"/>
-              <a:t>26/6/2021</a:t>
+              <a:t>27/6/2021</a:t>
             </a:fld>
             <a:endParaRPr lang="en-US"/>
           </a:p>
@@ -1618,7 +1623,7 @@
           <a:p>
             <a:fld id="{550216F7-06C5-4B62-A1CB-EC4F0BE15EAA}" type="datetimeFigureOut">
               <a:rPr lang="en-US" smtClean="0"/>
-              <a:t>26/6/2021</a:t>
+              <a:t>27/6/2021</a:t>
             </a:fld>
             <a:endParaRPr lang="en-US"/>
           </a:p>
@@ -1736,7 +1741,7 @@
           <a:p>
             <a:fld id="{550216F7-06C5-4B62-A1CB-EC4F0BE15EAA}" type="datetimeFigureOut">
               <a:rPr lang="en-US" smtClean="0"/>
-              <a:t>26/6/2021</a:t>
+              <a:t>27/6/2021</a:t>
             </a:fld>
             <a:endParaRPr lang="en-US"/>
           </a:p>
@@ -1831,7 +1836,7 @@
           <a:p>
             <a:fld id="{550216F7-06C5-4B62-A1CB-EC4F0BE15EAA}" type="datetimeFigureOut">
               <a:rPr lang="en-US" smtClean="0"/>
-              <a:t>26/6/2021</a:t>
+              <a:t>27/6/2021</a:t>
             </a:fld>
             <a:endParaRPr lang="en-US"/>
           </a:p>
@@ -2108,7 +2113,7 @@
           <a:p>
             <a:fld id="{550216F7-06C5-4B62-A1CB-EC4F0BE15EAA}" type="datetimeFigureOut">
               <a:rPr lang="en-US" smtClean="0"/>
-              <a:t>26/6/2021</a:t>
+              <a:t>27/6/2021</a:t>
             </a:fld>
             <a:endParaRPr lang="en-US"/>
           </a:p>
@@ -2361,7 +2366,7 @@
           <a:p>
             <a:fld id="{550216F7-06C5-4B62-A1CB-EC4F0BE15EAA}" type="datetimeFigureOut">
               <a:rPr lang="en-US" smtClean="0"/>
-              <a:t>26/6/2021</a:t>
+              <a:t>27/6/2021</a:t>
             </a:fld>
             <a:endParaRPr lang="en-US"/>
           </a:p>
@@ -2580,7 +2585,7 @@
           <a:p>
             <a:fld id="{550216F7-06C5-4B62-A1CB-EC4F0BE15EAA}" type="datetimeFigureOut">
               <a:rPr lang="en-US" smtClean="0"/>
-              <a:t>26/6/2021</a:t>
+              <a:t>27/6/2021</a:t>
             </a:fld>
             <a:endParaRPr lang="en-US"/>
           </a:p>
@@ -3066,11 +3071,11 @@
   <p:clrMapOvr>
     <a:masterClrMapping/>
   </p:clrMapOvr>
-  <mc:AlternateContent xmlns:mc="http://schemas.openxmlformats.org/markup-compatibility/2006">
-    <mc:Choice xmlns:p14="http://schemas.microsoft.com/office/powerpoint/2010/main" Requires="p14">
+  <mc:AlternateContent xmlns:mc="http://schemas.openxmlformats.org/markup-compatibility/2006" xmlns:p14="http://schemas.microsoft.com/office/powerpoint/2010/main">
+    <mc:Choice Requires="p14">
       <p:transition spd="slow" p14:dur="2000" advClick="0"/>
     </mc:Choice>
-    <mc:Fallback>
+    <mc:Fallback xmlns="">
       <p:transition spd="slow" advClick="0"/>
     </mc:Fallback>
   </mc:AlternateContent>
@@ -3319,18 +3324,7 @@
                   </a:schemeClr>
                 </a:solidFill>
               </a:rPr>
-              <a:t>”		    </a:t>
-            </a:r>
-            <a:r>
-              <a:rPr lang="en-US" sz="2400" dirty="0" smtClean="0">
-                <a:solidFill>
-                  <a:schemeClr val="accent4">
-                    <a:lumMod val="60000"/>
-                    <a:lumOff val="40000"/>
-                  </a:schemeClr>
-                </a:solidFill>
-              </a:rPr>
-              <a:t>Save in “output” folder as “</a:t>
+              <a:t>”		    Save in “output” folder as “</a:t>
             </a:r>
             <a:r>
               <a:rPr lang="en-US" sz="2400" dirty="0" err="1" smtClean="0">
@@ -3855,11 +3849,13 @@
         <p:spPr>
           <a:xfrm>
             <a:off x="838200" y="1325563"/>
-            <a:ext cx="10515600" cy="4351338"/>
-          </a:xfrm>
-        </p:spPr>
-        <p:txBody>
-          <a:bodyPr/>
+            <a:ext cx="10515600" cy="5022986"/>
+          </a:xfrm>
+        </p:spPr>
+        <p:txBody>
+          <a:bodyPr>
+            <a:normAutofit fontScale="92500" lnSpcReduction="10000"/>
+          </a:bodyPr>
           <a:lstStyle/>
           <a:p>
             <a:r>
@@ -3938,8 +3934,65 @@
                   </a:schemeClr>
                 </a:solidFill>
               </a:rPr>
-              <a:t> contains both a testing framework and a test runner.</a:t>
-            </a:r>
+              <a:t> contains both a testing framework and a test runner</a:t>
+            </a:r>
+            <a:r>
+              <a:rPr lang="en-US" dirty="0" smtClean="0">
+                <a:solidFill>
+                  <a:schemeClr val="accent4">
+                    <a:lumMod val="60000"/>
+                    <a:lumOff val="40000"/>
+                  </a:schemeClr>
+                </a:solidFill>
+              </a:rPr>
+              <a:t>.</a:t>
+            </a:r>
+          </a:p>
+          <a:p>
+            <a:pPr marL="0" indent="0">
+              <a:buNone/>
+            </a:pPr>
+            <a:endParaRPr lang="en-US" dirty="0" smtClean="0">
+              <a:solidFill>
+                <a:schemeClr val="accent4">
+                  <a:lumMod val="60000"/>
+                  <a:lumOff val="40000"/>
+                </a:schemeClr>
+              </a:solidFill>
+            </a:endParaRPr>
+          </a:p>
+          <a:p>
+            <a:r>
+              <a:rPr lang="en-US" dirty="0" smtClean="0">
+                <a:solidFill>
+                  <a:schemeClr val="accent4">
+                    <a:lumMod val="60000"/>
+                    <a:lumOff val="40000"/>
+                  </a:schemeClr>
+                </a:solidFill>
+              </a:rPr>
+              <a:t>For more information: </a:t>
+            </a:r>
+            <a:r>
+              <a:rPr lang="en-US" dirty="0" err="1">
+                <a:hlinkClick r:id="rId2"/>
+              </a:rPr>
+              <a:t>unittest</a:t>
+            </a:r>
+            <a:r>
+              <a:rPr lang="en-US" dirty="0">
+                <a:hlinkClick r:id="rId2"/>
+              </a:rPr>
+              <a:t> — Unit testing framework — Python 3.9.5 documentation</a:t>
+            </a:r>
+            <a:endParaRPr lang="en-US" dirty="0" smtClean="0">
+              <a:solidFill>
+                <a:schemeClr val="accent4">
+                  <a:lumMod val="60000"/>
+                  <a:lumOff val="40000"/>
+                </a:schemeClr>
+              </a:solidFill>
+            </a:endParaRPr>
           </a:p>
           <a:p>
             <a:endParaRPr lang="en-US" dirty="0"/>
@@ -4407,11 +4460,11 @@
   <p:clrMapOvr>
     <a:masterClrMapping/>
   </p:clrMapOvr>
-  <mc:AlternateContent xmlns:mc="http://schemas.openxmlformats.org/markup-compatibility/2006">
-    <mc:Choice xmlns:p14="http://schemas.microsoft.com/office/powerpoint/2010/main" Requires="p14">
+  <mc:AlternateContent xmlns:mc="http://schemas.openxmlformats.org/markup-compatibility/2006" xmlns:p14="http://schemas.microsoft.com/office/powerpoint/2010/main">
+    <mc:Choice Requires="p14">
       <p:transition spd="slow" p14:dur="2000" advClick="0"/>
     </mc:Choice>
-    <mc:Fallback>
+    <mc:Fallback xmlns="">
       <p:transition spd="slow" advClick="0"/>
     </mc:Fallback>
   </mc:AlternateContent>
@@ -4542,11 +4595,11 @@
   <p:clrMapOvr>
     <a:masterClrMapping/>
   </p:clrMapOvr>
-  <mc:AlternateContent xmlns:mc="http://schemas.openxmlformats.org/markup-compatibility/2006">
-    <mc:Choice xmlns:p14="http://schemas.microsoft.com/office/powerpoint/2010/main" Requires="p14">
+  <mc:AlternateContent xmlns:mc="http://schemas.openxmlformats.org/markup-compatibility/2006" xmlns:p14="http://schemas.microsoft.com/office/powerpoint/2010/main">
+    <mc:Choice Requires="p14">
       <p:transition spd="slow" p14:dur="2000" advClick="0"/>
     </mc:Choice>
-    <mc:Fallback>
+    <mc:Fallback xmlns="">
       <p:transition spd="slow" advClick="0"/>
     </mc:Fallback>
   </mc:AlternateContent>
